--- a/ppt 16-9/0942.全能名.pptx
+++ b/ppt 16-9/0942.全能名.pptx
@@ -129,7 +129,7 @@
           <p:cNvPr id="2" name="标题 1">
             <a:extLst>
               <a:ext uri="{FF2B5EF4-FFF2-40B4-BE49-F238E27FC236}">
-                <a16:creationId xmlns:a16="http://schemas.microsoft.com/office/drawing/2014/main" id="{8D364EA4-F21F-FA69-DCC7-DDE9B63E149B}"/>
+                <a16:creationId xmlns:a16="http://schemas.microsoft.com/office/drawing/2014/main" id="{AE80A120-C0C8-64F5-F54B-B0BEBAD06641}"/>
               </a:ext>
             </a:extLst>
           </p:cNvPr>
@@ -166,7 +166,7 @@
           <p:cNvPr id="3" name="副标题 2">
             <a:extLst>
               <a:ext uri="{FF2B5EF4-FFF2-40B4-BE49-F238E27FC236}">
-                <a16:creationId xmlns:a16="http://schemas.microsoft.com/office/drawing/2014/main" id="{6E31A862-69F6-7DE5-943A-5A3D3A0F818C}"/>
+                <a16:creationId xmlns:a16="http://schemas.microsoft.com/office/drawing/2014/main" id="{7CB46689-F8CA-8CD1-18C9-B770CF1B08E3}"/>
               </a:ext>
             </a:extLst>
           </p:cNvPr>
@@ -236,7 +236,7 @@
           <p:cNvPr id="4" name="日期占位符 3">
             <a:extLst>
               <a:ext uri="{FF2B5EF4-FFF2-40B4-BE49-F238E27FC236}">
-                <a16:creationId xmlns:a16="http://schemas.microsoft.com/office/drawing/2014/main" id="{92A715F2-0B6A-DE53-69D7-F4C77B487431}"/>
+                <a16:creationId xmlns:a16="http://schemas.microsoft.com/office/drawing/2014/main" id="{468EE713-4206-6AF3-4B4C-C1734CB24BC0}"/>
               </a:ext>
             </a:extLst>
           </p:cNvPr>
@@ -252,7 +252,7 @@
           <a:bodyPr/>
           <a:lstStyle/>
           <a:p>
-            <a:fld id="{A6180810-5565-41E5-9567-7062FF4A533D}" type="datetimeFigureOut">
+            <a:fld id="{D30FB933-3CFF-4E95-9F1B-1F5AED9C8258}" type="datetimeFigureOut">
               <a:rPr lang="zh-CN" altLang="en-US" smtClean="0"/>
               <a:t>2024/3/10</a:t>
             </a:fld>
@@ -265,7 +265,7 @@
           <p:cNvPr id="5" name="页脚占位符 4">
             <a:extLst>
               <a:ext uri="{FF2B5EF4-FFF2-40B4-BE49-F238E27FC236}">
-                <a16:creationId xmlns:a16="http://schemas.microsoft.com/office/drawing/2014/main" id="{ED0A81D5-6A7A-8C0A-B0D0-8A52E2D11234}"/>
+                <a16:creationId xmlns:a16="http://schemas.microsoft.com/office/drawing/2014/main" id="{BDFB119B-2371-1D83-B00C-1B85A1C0759F}"/>
               </a:ext>
             </a:extLst>
           </p:cNvPr>
@@ -290,7 +290,7 @@
           <p:cNvPr id="6" name="灯片编号占位符 5">
             <a:extLst>
               <a:ext uri="{FF2B5EF4-FFF2-40B4-BE49-F238E27FC236}">
-                <a16:creationId xmlns:a16="http://schemas.microsoft.com/office/drawing/2014/main" id="{C322789C-1C56-C43E-AAE2-1E7906B0D167}"/>
+                <a16:creationId xmlns:a16="http://schemas.microsoft.com/office/drawing/2014/main" id="{E9F515EC-768D-60FD-5D08-FBC6B4DBEF2C}"/>
               </a:ext>
             </a:extLst>
           </p:cNvPr>
@@ -306,7 +306,7 @@
           <a:bodyPr/>
           <a:lstStyle/>
           <a:p>
-            <a:fld id="{B5134405-1BAD-4D83-9CFC-2C97EE2FE515}" type="slidenum">
+            <a:fld id="{4F687FF8-C226-4FB7-B95F-4ED86E9D85C5}" type="slidenum">
               <a:rPr lang="zh-CN" altLang="en-US" smtClean="0"/>
               <a:t>‹#›</a:t>
             </a:fld>
@@ -317,7 +317,7 @@
     </p:spTree>
     <p:extLst>
       <p:ext uri="{BB962C8B-B14F-4D97-AF65-F5344CB8AC3E}">
-        <p14:creationId xmlns:p14="http://schemas.microsoft.com/office/powerpoint/2010/main" val="1967944429"/>
+        <p14:creationId xmlns:p14="http://schemas.microsoft.com/office/powerpoint/2010/main" val="454879193"/>
       </p:ext>
     </p:extLst>
   </p:cSld>
@@ -349,7 +349,7 @@
           <p:cNvPr id="2" name="标题 1">
             <a:extLst>
               <a:ext uri="{FF2B5EF4-FFF2-40B4-BE49-F238E27FC236}">
-                <a16:creationId xmlns:a16="http://schemas.microsoft.com/office/drawing/2014/main" id="{CD2F5618-C695-E900-70A7-7316DDB54757}"/>
+                <a16:creationId xmlns:a16="http://schemas.microsoft.com/office/drawing/2014/main" id="{358C3EC2-81EA-8F7C-CAC5-71AF11257917}"/>
               </a:ext>
             </a:extLst>
           </p:cNvPr>
@@ -377,7 +377,7 @@
           <p:cNvPr id="3" name="竖排文字占位符 2">
             <a:extLst>
               <a:ext uri="{FF2B5EF4-FFF2-40B4-BE49-F238E27FC236}">
-                <a16:creationId xmlns:a16="http://schemas.microsoft.com/office/drawing/2014/main" id="{232C5ECC-7BC5-B008-B50B-CB245973FE0E}"/>
+                <a16:creationId xmlns:a16="http://schemas.microsoft.com/office/drawing/2014/main" id="{120CFA4D-173A-F72B-6CBF-0BEFAD5297A7}"/>
               </a:ext>
             </a:extLst>
           </p:cNvPr>
@@ -434,7 +434,7 @@
           <p:cNvPr id="4" name="日期占位符 3">
             <a:extLst>
               <a:ext uri="{FF2B5EF4-FFF2-40B4-BE49-F238E27FC236}">
-                <a16:creationId xmlns:a16="http://schemas.microsoft.com/office/drawing/2014/main" id="{BDE492A7-443E-963D-D672-BD3277C46AC9}"/>
+                <a16:creationId xmlns:a16="http://schemas.microsoft.com/office/drawing/2014/main" id="{677C3866-B28D-0067-A3ED-AE6FF600A1A5}"/>
               </a:ext>
             </a:extLst>
           </p:cNvPr>
@@ -450,7 +450,7 @@
           <a:bodyPr/>
           <a:lstStyle/>
           <a:p>
-            <a:fld id="{A6180810-5565-41E5-9567-7062FF4A533D}" type="datetimeFigureOut">
+            <a:fld id="{D30FB933-3CFF-4E95-9F1B-1F5AED9C8258}" type="datetimeFigureOut">
               <a:rPr lang="zh-CN" altLang="en-US" smtClean="0"/>
               <a:t>2024/3/10</a:t>
             </a:fld>
@@ -463,7 +463,7 @@
           <p:cNvPr id="5" name="页脚占位符 4">
             <a:extLst>
               <a:ext uri="{FF2B5EF4-FFF2-40B4-BE49-F238E27FC236}">
-                <a16:creationId xmlns:a16="http://schemas.microsoft.com/office/drawing/2014/main" id="{9997BEE3-DD2A-9A5D-F8CB-2359F2BC6472}"/>
+                <a16:creationId xmlns:a16="http://schemas.microsoft.com/office/drawing/2014/main" id="{FDA669FE-BC15-1C8F-6A4F-AA39B3DF5D46}"/>
               </a:ext>
             </a:extLst>
           </p:cNvPr>
@@ -488,7 +488,7 @@
           <p:cNvPr id="6" name="灯片编号占位符 5">
             <a:extLst>
               <a:ext uri="{FF2B5EF4-FFF2-40B4-BE49-F238E27FC236}">
-                <a16:creationId xmlns:a16="http://schemas.microsoft.com/office/drawing/2014/main" id="{0C5428E0-D0C4-963D-EA76-3093DBE3758C}"/>
+                <a16:creationId xmlns:a16="http://schemas.microsoft.com/office/drawing/2014/main" id="{373CBB00-ECCF-C6C9-DB2B-D9AC647A6A00}"/>
               </a:ext>
             </a:extLst>
           </p:cNvPr>
@@ -504,7 +504,7 @@
           <a:bodyPr/>
           <a:lstStyle/>
           <a:p>
-            <a:fld id="{B5134405-1BAD-4D83-9CFC-2C97EE2FE515}" type="slidenum">
+            <a:fld id="{4F687FF8-C226-4FB7-B95F-4ED86E9D85C5}" type="slidenum">
               <a:rPr lang="zh-CN" altLang="en-US" smtClean="0"/>
               <a:t>‹#›</a:t>
             </a:fld>
@@ -515,7 +515,7 @@
     </p:spTree>
     <p:extLst>
       <p:ext uri="{BB962C8B-B14F-4D97-AF65-F5344CB8AC3E}">
-        <p14:creationId xmlns:p14="http://schemas.microsoft.com/office/powerpoint/2010/main" val="1193216937"/>
+        <p14:creationId xmlns:p14="http://schemas.microsoft.com/office/powerpoint/2010/main" val="955578650"/>
       </p:ext>
     </p:extLst>
   </p:cSld>
@@ -547,7 +547,7 @@
           <p:cNvPr id="2" name="竖排标题 1">
             <a:extLst>
               <a:ext uri="{FF2B5EF4-FFF2-40B4-BE49-F238E27FC236}">
-                <a16:creationId xmlns:a16="http://schemas.microsoft.com/office/drawing/2014/main" id="{CC3DF97F-AFA2-4CBF-4358-F8628089AEAF}"/>
+                <a16:creationId xmlns:a16="http://schemas.microsoft.com/office/drawing/2014/main" id="{F51C2DB9-1DD5-C014-7361-6DA468CCE593}"/>
               </a:ext>
             </a:extLst>
           </p:cNvPr>
@@ -580,7 +580,7 @@
           <p:cNvPr id="3" name="竖排文字占位符 2">
             <a:extLst>
               <a:ext uri="{FF2B5EF4-FFF2-40B4-BE49-F238E27FC236}">
-                <a16:creationId xmlns:a16="http://schemas.microsoft.com/office/drawing/2014/main" id="{062D2F7B-0EFA-9341-352F-E1785A2FE687}"/>
+                <a16:creationId xmlns:a16="http://schemas.microsoft.com/office/drawing/2014/main" id="{770079DC-E666-1F2F-4703-E42341C2A6AF}"/>
               </a:ext>
             </a:extLst>
           </p:cNvPr>
@@ -642,7 +642,7 @@
           <p:cNvPr id="4" name="日期占位符 3">
             <a:extLst>
               <a:ext uri="{FF2B5EF4-FFF2-40B4-BE49-F238E27FC236}">
-                <a16:creationId xmlns:a16="http://schemas.microsoft.com/office/drawing/2014/main" id="{C734ACDD-889B-5690-D7CC-040933FB41B9}"/>
+                <a16:creationId xmlns:a16="http://schemas.microsoft.com/office/drawing/2014/main" id="{A8F23234-4E9E-9A5D-B974-C88A78AA4A5B}"/>
               </a:ext>
             </a:extLst>
           </p:cNvPr>
@@ -658,7 +658,7 @@
           <a:bodyPr/>
           <a:lstStyle/>
           <a:p>
-            <a:fld id="{A6180810-5565-41E5-9567-7062FF4A533D}" type="datetimeFigureOut">
+            <a:fld id="{D30FB933-3CFF-4E95-9F1B-1F5AED9C8258}" type="datetimeFigureOut">
               <a:rPr lang="zh-CN" altLang="en-US" smtClean="0"/>
               <a:t>2024/3/10</a:t>
             </a:fld>
@@ -671,7 +671,7 @@
           <p:cNvPr id="5" name="页脚占位符 4">
             <a:extLst>
               <a:ext uri="{FF2B5EF4-FFF2-40B4-BE49-F238E27FC236}">
-                <a16:creationId xmlns:a16="http://schemas.microsoft.com/office/drawing/2014/main" id="{89E59E0F-4848-7627-CBF8-4BBFCF3E4C0A}"/>
+                <a16:creationId xmlns:a16="http://schemas.microsoft.com/office/drawing/2014/main" id="{E9DF6114-EB9A-2B4F-FE92-977F0D4F35C2}"/>
               </a:ext>
             </a:extLst>
           </p:cNvPr>
@@ -696,7 +696,7 @@
           <p:cNvPr id="6" name="灯片编号占位符 5">
             <a:extLst>
               <a:ext uri="{FF2B5EF4-FFF2-40B4-BE49-F238E27FC236}">
-                <a16:creationId xmlns:a16="http://schemas.microsoft.com/office/drawing/2014/main" id="{06DB381E-BF2B-8097-812A-2D7428E2ED6D}"/>
+                <a16:creationId xmlns:a16="http://schemas.microsoft.com/office/drawing/2014/main" id="{7978F3A4-65EA-691E-5E47-CECADB8CA460}"/>
               </a:ext>
             </a:extLst>
           </p:cNvPr>
@@ -712,7 +712,7 @@
           <a:bodyPr/>
           <a:lstStyle/>
           <a:p>
-            <a:fld id="{B5134405-1BAD-4D83-9CFC-2C97EE2FE515}" type="slidenum">
+            <a:fld id="{4F687FF8-C226-4FB7-B95F-4ED86E9D85C5}" type="slidenum">
               <a:rPr lang="zh-CN" altLang="en-US" smtClean="0"/>
               <a:t>‹#›</a:t>
             </a:fld>
@@ -723,7 +723,7 @@
     </p:spTree>
     <p:extLst>
       <p:ext uri="{BB962C8B-B14F-4D97-AF65-F5344CB8AC3E}">
-        <p14:creationId xmlns:p14="http://schemas.microsoft.com/office/powerpoint/2010/main" val="3398587147"/>
+        <p14:creationId xmlns:p14="http://schemas.microsoft.com/office/powerpoint/2010/main" val="3988115301"/>
       </p:ext>
     </p:extLst>
   </p:cSld>
@@ -755,7 +755,7 @@
           <p:cNvPr id="2" name="标题 1">
             <a:extLst>
               <a:ext uri="{FF2B5EF4-FFF2-40B4-BE49-F238E27FC236}">
-                <a16:creationId xmlns:a16="http://schemas.microsoft.com/office/drawing/2014/main" id="{251062EB-1274-E663-80A5-FCF921B3E31A}"/>
+                <a16:creationId xmlns:a16="http://schemas.microsoft.com/office/drawing/2014/main" id="{9638C3B8-4DC6-E657-2D19-0DDC0AA8CBE3}"/>
               </a:ext>
             </a:extLst>
           </p:cNvPr>
@@ -783,7 +783,7 @@
           <p:cNvPr id="3" name="内容占位符 2">
             <a:extLst>
               <a:ext uri="{FF2B5EF4-FFF2-40B4-BE49-F238E27FC236}">
-                <a16:creationId xmlns:a16="http://schemas.microsoft.com/office/drawing/2014/main" id="{1E61564C-3013-FAB3-EEB0-DAC6BA53BAE8}"/>
+                <a16:creationId xmlns:a16="http://schemas.microsoft.com/office/drawing/2014/main" id="{39955EED-459B-7299-C22D-6FF75689C3DA}"/>
               </a:ext>
             </a:extLst>
           </p:cNvPr>
@@ -840,7 +840,7 @@
           <p:cNvPr id="4" name="日期占位符 3">
             <a:extLst>
               <a:ext uri="{FF2B5EF4-FFF2-40B4-BE49-F238E27FC236}">
-                <a16:creationId xmlns:a16="http://schemas.microsoft.com/office/drawing/2014/main" id="{8B1D3726-E20E-FFBA-C52D-D9929F02CAB4}"/>
+                <a16:creationId xmlns:a16="http://schemas.microsoft.com/office/drawing/2014/main" id="{F88BB77F-0A84-8DEF-8985-7ED69D0DCBDA}"/>
               </a:ext>
             </a:extLst>
           </p:cNvPr>
@@ -856,7 +856,7 @@
           <a:bodyPr/>
           <a:lstStyle/>
           <a:p>
-            <a:fld id="{A6180810-5565-41E5-9567-7062FF4A533D}" type="datetimeFigureOut">
+            <a:fld id="{D30FB933-3CFF-4E95-9F1B-1F5AED9C8258}" type="datetimeFigureOut">
               <a:rPr lang="zh-CN" altLang="en-US" smtClean="0"/>
               <a:t>2024/3/10</a:t>
             </a:fld>
@@ -869,7 +869,7 @@
           <p:cNvPr id="5" name="页脚占位符 4">
             <a:extLst>
               <a:ext uri="{FF2B5EF4-FFF2-40B4-BE49-F238E27FC236}">
-                <a16:creationId xmlns:a16="http://schemas.microsoft.com/office/drawing/2014/main" id="{B1BD5E8F-BD5E-B180-D551-A988934AAB72}"/>
+                <a16:creationId xmlns:a16="http://schemas.microsoft.com/office/drawing/2014/main" id="{E9D62629-3076-20B3-4F85-18EB1AD37321}"/>
               </a:ext>
             </a:extLst>
           </p:cNvPr>
@@ -894,7 +894,7 @@
           <p:cNvPr id="6" name="灯片编号占位符 5">
             <a:extLst>
               <a:ext uri="{FF2B5EF4-FFF2-40B4-BE49-F238E27FC236}">
-                <a16:creationId xmlns:a16="http://schemas.microsoft.com/office/drawing/2014/main" id="{67DA0B62-5B1E-CAF1-8217-E718CB19444E}"/>
+                <a16:creationId xmlns:a16="http://schemas.microsoft.com/office/drawing/2014/main" id="{98197458-6D6E-D582-D9AD-C992651FCF99}"/>
               </a:ext>
             </a:extLst>
           </p:cNvPr>
@@ -910,7 +910,7 @@
           <a:bodyPr/>
           <a:lstStyle/>
           <a:p>
-            <a:fld id="{B5134405-1BAD-4D83-9CFC-2C97EE2FE515}" type="slidenum">
+            <a:fld id="{4F687FF8-C226-4FB7-B95F-4ED86E9D85C5}" type="slidenum">
               <a:rPr lang="zh-CN" altLang="en-US" smtClean="0"/>
               <a:t>‹#›</a:t>
             </a:fld>
@@ -921,7 +921,7 @@
     </p:spTree>
     <p:extLst>
       <p:ext uri="{BB962C8B-B14F-4D97-AF65-F5344CB8AC3E}">
-        <p14:creationId xmlns:p14="http://schemas.microsoft.com/office/powerpoint/2010/main" val="2346302499"/>
+        <p14:creationId xmlns:p14="http://schemas.microsoft.com/office/powerpoint/2010/main" val="4267998436"/>
       </p:ext>
     </p:extLst>
   </p:cSld>
@@ -953,7 +953,7 @@
           <p:cNvPr id="2" name="标题 1">
             <a:extLst>
               <a:ext uri="{FF2B5EF4-FFF2-40B4-BE49-F238E27FC236}">
-                <a16:creationId xmlns:a16="http://schemas.microsoft.com/office/drawing/2014/main" id="{8AB69DC7-FFE3-A3B8-63C4-DFBF1F7A3AEF}"/>
+                <a16:creationId xmlns:a16="http://schemas.microsoft.com/office/drawing/2014/main" id="{335F30CB-0F5A-5080-B8E6-4D70E53D8846}"/>
               </a:ext>
             </a:extLst>
           </p:cNvPr>
@@ -990,7 +990,7 @@
           <p:cNvPr id="3" name="文本占位符 2">
             <a:extLst>
               <a:ext uri="{FF2B5EF4-FFF2-40B4-BE49-F238E27FC236}">
-                <a16:creationId xmlns:a16="http://schemas.microsoft.com/office/drawing/2014/main" id="{4E184862-0BE1-C479-7C2F-574EBB549FC4}"/>
+                <a16:creationId xmlns:a16="http://schemas.microsoft.com/office/drawing/2014/main" id="{1FF52400-B6C6-646B-1A99-753036E64E67}"/>
               </a:ext>
             </a:extLst>
           </p:cNvPr>
@@ -1115,7 +1115,7 @@
           <p:cNvPr id="4" name="日期占位符 3">
             <a:extLst>
               <a:ext uri="{FF2B5EF4-FFF2-40B4-BE49-F238E27FC236}">
-                <a16:creationId xmlns:a16="http://schemas.microsoft.com/office/drawing/2014/main" id="{995DA45A-5BB6-72D5-86ED-EAAC68438932}"/>
+                <a16:creationId xmlns:a16="http://schemas.microsoft.com/office/drawing/2014/main" id="{B29D7CD4-35B8-D766-948B-15DD91328EEE}"/>
               </a:ext>
             </a:extLst>
           </p:cNvPr>
@@ -1131,7 +1131,7 @@
           <a:bodyPr/>
           <a:lstStyle/>
           <a:p>
-            <a:fld id="{A6180810-5565-41E5-9567-7062FF4A533D}" type="datetimeFigureOut">
+            <a:fld id="{D30FB933-3CFF-4E95-9F1B-1F5AED9C8258}" type="datetimeFigureOut">
               <a:rPr lang="zh-CN" altLang="en-US" smtClean="0"/>
               <a:t>2024/3/10</a:t>
             </a:fld>
@@ -1144,7 +1144,7 @@
           <p:cNvPr id="5" name="页脚占位符 4">
             <a:extLst>
               <a:ext uri="{FF2B5EF4-FFF2-40B4-BE49-F238E27FC236}">
-                <a16:creationId xmlns:a16="http://schemas.microsoft.com/office/drawing/2014/main" id="{B3433833-D724-EA5D-A1B2-0442523F84F5}"/>
+                <a16:creationId xmlns:a16="http://schemas.microsoft.com/office/drawing/2014/main" id="{46E323DF-E626-35D7-34CA-4330EAEFD043}"/>
               </a:ext>
             </a:extLst>
           </p:cNvPr>
@@ -1169,7 +1169,7 @@
           <p:cNvPr id="6" name="灯片编号占位符 5">
             <a:extLst>
               <a:ext uri="{FF2B5EF4-FFF2-40B4-BE49-F238E27FC236}">
-                <a16:creationId xmlns:a16="http://schemas.microsoft.com/office/drawing/2014/main" id="{66E268DE-2EEB-CF90-E230-D59EEA21202C}"/>
+                <a16:creationId xmlns:a16="http://schemas.microsoft.com/office/drawing/2014/main" id="{5E468CA7-A754-2B60-474E-2E97D2B19F5B}"/>
               </a:ext>
             </a:extLst>
           </p:cNvPr>
@@ -1185,7 +1185,7 @@
           <a:bodyPr/>
           <a:lstStyle/>
           <a:p>
-            <a:fld id="{B5134405-1BAD-4D83-9CFC-2C97EE2FE515}" type="slidenum">
+            <a:fld id="{4F687FF8-C226-4FB7-B95F-4ED86E9D85C5}" type="slidenum">
               <a:rPr lang="zh-CN" altLang="en-US" smtClean="0"/>
               <a:t>‹#›</a:t>
             </a:fld>
@@ -1196,7 +1196,7 @@
     </p:spTree>
     <p:extLst>
       <p:ext uri="{BB962C8B-B14F-4D97-AF65-F5344CB8AC3E}">
-        <p14:creationId xmlns:p14="http://schemas.microsoft.com/office/powerpoint/2010/main" val="60315093"/>
+        <p14:creationId xmlns:p14="http://schemas.microsoft.com/office/powerpoint/2010/main" val="4069550395"/>
       </p:ext>
     </p:extLst>
   </p:cSld>
@@ -1228,7 +1228,7 @@
           <p:cNvPr id="2" name="标题 1">
             <a:extLst>
               <a:ext uri="{FF2B5EF4-FFF2-40B4-BE49-F238E27FC236}">
-                <a16:creationId xmlns:a16="http://schemas.microsoft.com/office/drawing/2014/main" id="{86802231-07FA-C3F9-36A9-968D43C146D3}"/>
+                <a16:creationId xmlns:a16="http://schemas.microsoft.com/office/drawing/2014/main" id="{440A584A-F380-5430-0365-5437B080DA51}"/>
               </a:ext>
             </a:extLst>
           </p:cNvPr>
@@ -1256,7 +1256,7 @@
           <p:cNvPr id="3" name="内容占位符 2">
             <a:extLst>
               <a:ext uri="{FF2B5EF4-FFF2-40B4-BE49-F238E27FC236}">
-                <a16:creationId xmlns:a16="http://schemas.microsoft.com/office/drawing/2014/main" id="{244BBA7A-4DCE-EE6B-5C85-B4FF3314F5F1}"/>
+                <a16:creationId xmlns:a16="http://schemas.microsoft.com/office/drawing/2014/main" id="{AB1A4756-722F-C5ED-25B6-01BCD8E8B8A2}"/>
               </a:ext>
             </a:extLst>
           </p:cNvPr>
@@ -1318,7 +1318,7 @@
           <p:cNvPr id="4" name="内容占位符 3">
             <a:extLst>
               <a:ext uri="{FF2B5EF4-FFF2-40B4-BE49-F238E27FC236}">
-                <a16:creationId xmlns:a16="http://schemas.microsoft.com/office/drawing/2014/main" id="{0C15FD09-7881-0722-EAA9-67114C3C3A82}"/>
+                <a16:creationId xmlns:a16="http://schemas.microsoft.com/office/drawing/2014/main" id="{A5BA241A-4937-A0DB-62B4-5779AB1FC6FB}"/>
               </a:ext>
             </a:extLst>
           </p:cNvPr>
@@ -1380,7 +1380,7 @@
           <p:cNvPr id="5" name="日期占位符 4">
             <a:extLst>
               <a:ext uri="{FF2B5EF4-FFF2-40B4-BE49-F238E27FC236}">
-                <a16:creationId xmlns:a16="http://schemas.microsoft.com/office/drawing/2014/main" id="{A15657DB-37D2-8980-9A1B-4F8AECA834D5}"/>
+                <a16:creationId xmlns:a16="http://schemas.microsoft.com/office/drawing/2014/main" id="{D64AC85F-ACE0-8C31-5D3E-7F7DFCC25CF0}"/>
               </a:ext>
             </a:extLst>
           </p:cNvPr>
@@ -1396,7 +1396,7 @@
           <a:bodyPr/>
           <a:lstStyle/>
           <a:p>
-            <a:fld id="{A6180810-5565-41E5-9567-7062FF4A533D}" type="datetimeFigureOut">
+            <a:fld id="{D30FB933-3CFF-4E95-9F1B-1F5AED9C8258}" type="datetimeFigureOut">
               <a:rPr lang="zh-CN" altLang="en-US" smtClean="0"/>
               <a:t>2024/3/10</a:t>
             </a:fld>
@@ -1409,7 +1409,7 @@
           <p:cNvPr id="6" name="页脚占位符 5">
             <a:extLst>
               <a:ext uri="{FF2B5EF4-FFF2-40B4-BE49-F238E27FC236}">
-                <a16:creationId xmlns:a16="http://schemas.microsoft.com/office/drawing/2014/main" id="{38C62F4F-CDC2-10F7-79B0-C788ACD0EE49}"/>
+                <a16:creationId xmlns:a16="http://schemas.microsoft.com/office/drawing/2014/main" id="{245C9717-F0E9-F245-0A00-1EE9209E61CD}"/>
               </a:ext>
             </a:extLst>
           </p:cNvPr>
@@ -1434,7 +1434,7 @@
           <p:cNvPr id="7" name="灯片编号占位符 6">
             <a:extLst>
               <a:ext uri="{FF2B5EF4-FFF2-40B4-BE49-F238E27FC236}">
-                <a16:creationId xmlns:a16="http://schemas.microsoft.com/office/drawing/2014/main" id="{0E028152-0D23-6FB6-7C9B-C972A29FFC04}"/>
+                <a16:creationId xmlns:a16="http://schemas.microsoft.com/office/drawing/2014/main" id="{92E01232-8456-7E6D-8C29-08166A13483E}"/>
               </a:ext>
             </a:extLst>
           </p:cNvPr>
@@ -1450,7 +1450,7 @@
           <a:bodyPr/>
           <a:lstStyle/>
           <a:p>
-            <a:fld id="{B5134405-1BAD-4D83-9CFC-2C97EE2FE515}" type="slidenum">
+            <a:fld id="{4F687FF8-C226-4FB7-B95F-4ED86E9D85C5}" type="slidenum">
               <a:rPr lang="zh-CN" altLang="en-US" smtClean="0"/>
               <a:t>‹#›</a:t>
             </a:fld>
@@ -1461,7 +1461,7 @@
     </p:spTree>
     <p:extLst>
       <p:ext uri="{BB962C8B-B14F-4D97-AF65-F5344CB8AC3E}">
-        <p14:creationId xmlns:p14="http://schemas.microsoft.com/office/powerpoint/2010/main" val="1840504047"/>
+        <p14:creationId xmlns:p14="http://schemas.microsoft.com/office/powerpoint/2010/main" val="1286210967"/>
       </p:ext>
     </p:extLst>
   </p:cSld>
@@ -1493,7 +1493,7 @@
           <p:cNvPr id="2" name="标题 1">
             <a:extLst>
               <a:ext uri="{FF2B5EF4-FFF2-40B4-BE49-F238E27FC236}">
-                <a16:creationId xmlns:a16="http://schemas.microsoft.com/office/drawing/2014/main" id="{A7866293-9166-B6E1-3555-3F3E97547664}"/>
+                <a16:creationId xmlns:a16="http://schemas.microsoft.com/office/drawing/2014/main" id="{A8C7A7EA-A000-73EA-4F7C-FEC49BB1B910}"/>
               </a:ext>
             </a:extLst>
           </p:cNvPr>
@@ -1526,7 +1526,7 @@
           <p:cNvPr id="3" name="文本占位符 2">
             <a:extLst>
               <a:ext uri="{FF2B5EF4-FFF2-40B4-BE49-F238E27FC236}">
-                <a16:creationId xmlns:a16="http://schemas.microsoft.com/office/drawing/2014/main" id="{4C003450-E2D9-4AA3-FC72-BD8E73E84226}"/>
+                <a16:creationId xmlns:a16="http://schemas.microsoft.com/office/drawing/2014/main" id="{8355F957-1B30-7910-00C0-849F38497F39}"/>
               </a:ext>
             </a:extLst>
           </p:cNvPr>
@@ -1597,7 +1597,7 @@
           <p:cNvPr id="4" name="内容占位符 3">
             <a:extLst>
               <a:ext uri="{FF2B5EF4-FFF2-40B4-BE49-F238E27FC236}">
-                <a16:creationId xmlns:a16="http://schemas.microsoft.com/office/drawing/2014/main" id="{F19B264E-A617-84F7-B390-A76DB54F1B33}"/>
+                <a16:creationId xmlns:a16="http://schemas.microsoft.com/office/drawing/2014/main" id="{E3A29734-62EF-D752-512E-899478ACD9FA}"/>
               </a:ext>
             </a:extLst>
           </p:cNvPr>
@@ -1659,7 +1659,7 @@
           <p:cNvPr id="5" name="文本占位符 4">
             <a:extLst>
               <a:ext uri="{FF2B5EF4-FFF2-40B4-BE49-F238E27FC236}">
-                <a16:creationId xmlns:a16="http://schemas.microsoft.com/office/drawing/2014/main" id="{960CF83F-FA09-098B-6371-474ACD1D7B76}"/>
+                <a16:creationId xmlns:a16="http://schemas.microsoft.com/office/drawing/2014/main" id="{7BB1189B-983A-098F-C7F1-64D5457D9032}"/>
               </a:ext>
             </a:extLst>
           </p:cNvPr>
@@ -1730,7 +1730,7 @@
           <p:cNvPr id="6" name="内容占位符 5">
             <a:extLst>
               <a:ext uri="{FF2B5EF4-FFF2-40B4-BE49-F238E27FC236}">
-                <a16:creationId xmlns:a16="http://schemas.microsoft.com/office/drawing/2014/main" id="{B733B2C3-B383-5FF5-8A42-AC39559B9918}"/>
+                <a16:creationId xmlns:a16="http://schemas.microsoft.com/office/drawing/2014/main" id="{E967AEC1-5536-8E9B-B01F-9F433024EAA6}"/>
               </a:ext>
             </a:extLst>
           </p:cNvPr>
@@ -1792,7 +1792,7 @@
           <p:cNvPr id="7" name="日期占位符 6">
             <a:extLst>
               <a:ext uri="{FF2B5EF4-FFF2-40B4-BE49-F238E27FC236}">
-                <a16:creationId xmlns:a16="http://schemas.microsoft.com/office/drawing/2014/main" id="{58000B6F-EBDF-7ACE-7B2A-E7AEB62B6923}"/>
+                <a16:creationId xmlns:a16="http://schemas.microsoft.com/office/drawing/2014/main" id="{4D8F866A-6D61-BDB1-2B1C-E1567F947A3D}"/>
               </a:ext>
             </a:extLst>
           </p:cNvPr>
@@ -1808,7 +1808,7 @@
           <a:bodyPr/>
           <a:lstStyle/>
           <a:p>
-            <a:fld id="{A6180810-5565-41E5-9567-7062FF4A533D}" type="datetimeFigureOut">
+            <a:fld id="{D30FB933-3CFF-4E95-9F1B-1F5AED9C8258}" type="datetimeFigureOut">
               <a:rPr lang="zh-CN" altLang="en-US" smtClean="0"/>
               <a:t>2024/3/10</a:t>
             </a:fld>
@@ -1821,7 +1821,7 @@
           <p:cNvPr id="8" name="页脚占位符 7">
             <a:extLst>
               <a:ext uri="{FF2B5EF4-FFF2-40B4-BE49-F238E27FC236}">
-                <a16:creationId xmlns:a16="http://schemas.microsoft.com/office/drawing/2014/main" id="{76F5584D-3D67-863B-7C79-568D2D40966C}"/>
+                <a16:creationId xmlns:a16="http://schemas.microsoft.com/office/drawing/2014/main" id="{0B031A20-9F66-6615-AD54-D148D844D600}"/>
               </a:ext>
             </a:extLst>
           </p:cNvPr>
@@ -1846,7 +1846,7 @@
           <p:cNvPr id="9" name="灯片编号占位符 8">
             <a:extLst>
               <a:ext uri="{FF2B5EF4-FFF2-40B4-BE49-F238E27FC236}">
-                <a16:creationId xmlns:a16="http://schemas.microsoft.com/office/drawing/2014/main" id="{93C0FD9B-89AA-174B-BF87-93BC1BE0DA18}"/>
+                <a16:creationId xmlns:a16="http://schemas.microsoft.com/office/drawing/2014/main" id="{5C257BE6-EE96-7EB9-3527-5823EDD324C5}"/>
               </a:ext>
             </a:extLst>
           </p:cNvPr>
@@ -1862,7 +1862,7 @@
           <a:bodyPr/>
           <a:lstStyle/>
           <a:p>
-            <a:fld id="{B5134405-1BAD-4D83-9CFC-2C97EE2FE515}" type="slidenum">
+            <a:fld id="{4F687FF8-C226-4FB7-B95F-4ED86E9D85C5}" type="slidenum">
               <a:rPr lang="zh-CN" altLang="en-US" smtClean="0"/>
               <a:t>‹#›</a:t>
             </a:fld>
@@ -1873,7 +1873,7 @@
     </p:spTree>
     <p:extLst>
       <p:ext uri="{BB962C8B-B14F-4D97-AF65-F5344CB8AC3E}">
-        <p14:creationId xmlns:p14="http://schemas.microsoft.com/office/powerpoint/2010/main" val="2020731303"/>
+        <p14:creationId xmlns:p14="http://schemas.microsoft.com/office/powerpoint/2010/main" val="84187443"/>
       </p:ext>
     </p:extLst>
   </p:cSld>
@@ -1905,7 +1905,7 @@
           <p:cNvPr id="2" name="标题 1">
             <a:extLst>
               <a:ext uri="{FF2B5EF4-FFF2-40B4-BE49-F238E27FC236}">
-                <a16:creationId xmlns:a16="http://schemas.microsoft.com/office/drawing/2014/main" id="{FEBFAAEF-352C-12DA-71A6-1FFB4A9A212C}"/>
+                <a16:creationId xmlns:a16="http://schemas.microsoft.com/office/drawing/2014/main" id="{F176ED93-E429-7E81-8FFD-24E86C20205F}"/>
               </a:ext>
             </a:extLst>
           </p:cNvPr>
@@ -1933,7 +1933,7 @@
           <p:cNvPr id="3" name="日期占位符 2">
             <a:extLst>
               <a:ext uri="{FF2B5EF4-FFF2-40B4-BE49-F238E27FC236}">
-                <a16:creationId xmlns:a16="http://schemas.microsoft.com/office/drawing/2014/main" id="{E1FE6FBB-6496-88E9-9C8A-EB419EFFEB0C}"/>
+                <a16:creationId xmlns:a16="http://schemas.microsoft.com/office/drawing/2014/main" id="{31FCF2CE-913B-747D-7176-58ECEB20C3D1}"/>
               </a:ext>
             </a:extLst>
           </p:cNvPr>
@@ -1949,7 +1949,7 @@
           <a:bodyPr/>
           <a:lstStyle/>
           <a:p>
-            <a:fld id="{A6180810-5565-41E5-9567-7062FF4A533D}" type="datetimeFigureOut">
+            <a:fld id="{D30FB933-3CFF-4E95-9F1B-1F5AED9C8258}" type="datetimeFigureOut">
               <a:rPr lang="zh-CN" altLang="en-US" smtClean="0"/>
               <a:t>2024/3/10</a:t>
             </a:fld>
@@ -1962,7 +1962,7 @@
           <p:cNvPr id="4" name="页脚占位符 3">
             <a:extLst>
               <a:ext uri="{FF2B5EF4-FFF2-40B4-BE49-F238E27FC236}">
-                <a16:creationId xmlns:a16="http://schemas.microsoft.com/office/drawing/2014/main" id="{6D17BD28-13DD-07FD-4AFC-C564D28E65AB}"/>
+                <a16:creationId xmlns:a16="http://schemas.microsoft.com/office/drawing/2014/main" id="{EF2F413B-5FF9-B925-61B8-B1D946483FBD}"/>
               </a:ext>
             </a:extLst>
           </p:cNvPr>
@@ -1987,7 +1987,7 @@
           <p:cNvPr id="5" name="灯片编号占位符 4">
             <a:extLst>
               <a:ext uri="{FF2B5EF4-FFF2-40B4-BE49-F238E27FC236}">
-                <a16:creationId xmlns:a16="http://schemas.microsoft.com/office/drawing/2014/main" id="{CA7D80B3-39CE-FEB0-8DD6-6BCDAB8B4E11}"/>
+                <a16:creationId xmlns:a16="http://schemas.microsoft.com/office/drawing/2014/main" id="{CEBC1219-5AB1-0CA2-2D80-FB338A79BFD3}"/>
               </a:ext>
             </a:extLst>
           </p:cNvPr>
@@ -2003,7 +2003,7 @@
           <a:bodyPr/>
           <a:lstStyle/>
           <a:p>
-            <a:fld id="{B5134405-1BAD-4D83-9CFC-2C97EE2FE515}" type="slidenum">
+            <a:fld id="{4F687FF8-C226-4FB7-B95F-4ED86E9D85C5}" type="slidenum">
               <a:rPr lang="zh-CN" altLang="en-US" smtClean="0"/>
               <a:t>‹#›</a:t>
             </a:fld>
@@ -2014,7 +2014,7 @@
     </p:spTree>
     <p:extLst>
       <p:ext uri="{BB962C8B-B14F-4D97-AF65-F5344CB8AC3E}">
-        <p14:creationId xmlns:p14="http://schemas.microsoft.com/office/powerpoint/2010/main" val="2161707144"/>
+        <p14:creationId xmlns:p14="http://schemas.microsoft.com/office/powerpoint/2010/main" val="186536479"/>
       </p:ext>
     </p:extLst>
   </p:cSld>
@@ -2046,7 +2046,7 @@
           <p:cNvPr id="2" name="日期占位符 1">
             <a:extLst>
               <a:ext uri="{FF2B5EF4-FFF2-40B4-BE49-F238E27FC236}">
-                <a16:creationId xmlns:a16="http://schemas.microsoft.com/office/drawing/2014/main" id="{4F744CB2-926D-35B5-8AAA-3ED73C63CA6E}"/>
+                <a16:creationId xmlns:a16="http://schemas.microsoft.com/office/drawing/2014/main" id="{8739176C-38EA-6E48-0EB1-C5FF55938DB9}"/>
               </a:ext>
             </a:extLst>
           </p:cNvPr>
@@ -2062,7 +2062,7 @@
           <a:bodyPr/>
           <a:lstStyle/>
           <a:p>
-            <a:fld id="{A6180810-5565-41E5-9567-7062FF4A533D}" type="datetimeFigureOut">
+            <a:fld id="{D30FB933-3CFF-4E95-9F1B-1F5AED9C8258}" type="datetimeFigureOut">
               <a:rPr lang="zh-CN" altLang="en-US" smtClean="0"/>
               <a:t>2024/3/10</a:t>
             </a:fld>
@@ -2075,7 +2075,7 @@
           <p:cNvPr id="3" name="页脚占位符 2">
             <a:extLst>
               <a:ext uri="{FF2B5EF4-FFF2-40B4-BE49-F238E27FC236}">
-                <a16:creationId xmlns:a16="http://schemas.microsoft.com/office/drawing/2014/main" id="{A72828CD-2AF4-6C53-357F-0D200F1536FE}"/>
+                <a16:creationId xmlns:a16="http://schemas.microsoft.com/office/drawing/2014/main" id="{7C614E8E-A143-AA4D-0BA4-094817AE5847}"/>
               </a:ext>
             </a:extLst>
           </p:cNvPr>
@@ -2100,7 +2100,7 @@
           <p:cNvPr id="4" name="灯片编号占位符 3">
             <a:extLst>
               <a:ext uri="{FF2B5EF4-FFF2-40B4-BE49-F238E27FC236}">
-                <a16:creationId xmlns:a16="http://schemas.microsoft.com/office/drawing/2014/main" id="{785B8D06-CD57-FCF7-988D-1817BCAC1216}"/>
+                <a16:creationId xmlns:a16="http://schemas.microsoft.com/office/drawing/2014/main" id="{B7EEAE8E-02C6-CBCE-9031-A70735638CFC}"/>
               </a:ext>
             </a:extLst>
           </p:cNvPr>
@@ -2116,7 +2116,7 @@
           <a:bodyPr/>
           <a:lstStyle/>
           <a:p>
-            <a:fld id="{B5134405-1BAD-4D83-9CFC-2C97EE2FE515}" type="slidenum">
+            <a:fld id="{4F687FF8-C226-4FB7-B95F-4ED86E9D85C5}" type="slidenum">
               <a:rPr lang="zh-CN" altLang="en-US" smtClean="0"/>
               <a:t>‹#›</a:t>
             </a:fld>
@@ -2127,7 +2127,7 @@
     </p:spTree>
     <p:extLst>
       <p:ext uri="{BB962C8B-B14F-4D97-AF65-F5344CB8AC3E}">
-        <p14:creationId xmlns:p14="http://schemas.microsoft.com/office/powerpoint/2010/main" val="3479039732"/>
+        <p14:creationId xmlns:p14="http://schemas.microsoft.com/office/powerpoint/2010/main" val="4285824800"/>
       </p:ext>
     </p:extLst>
   </p:cSld>
@@ -2159,7 +2159,7 @@
           <p:cNvPr id="2" name="标题 1">
             <a:extLst>
               <a:ext uri="{FF2B5EF4-FFF2-40B4-BE49-F238E27FC236}">
-                <a16:creationId xmlns:a16="http://schemas.microsoft.com/office/drawing/2014/main" id="{D3125387-8964-A19B-D12A-82CCFDAEA6D3}"/>
+                <a16:creationId xmlns:a16="http://schemas.microsoft.com/office/drawing/2014/main" id="{52C5E36A-A449-8DF3-8DE5-7465D97A3BB0}"/>
               </a:ext>
             </a:extLst>
           </p:cNvPr>
@@ -2196,7 +2196,7 @@
           <p:cNvPr id="3" name="内容占位符 2">
             <a:extLst>
               <a:ext uri="{FF2B5EF4-FFF2-40B4-BE49-F238E27FC236}">
-                <a16:creationId xmlns:a16="http://schemas.microsoft.com/office/drawing/2014/main" id="{495C9BED-297D-7CF4-362B-2CAAABC8B1CA}"/>
+                <a16:creationId xmlns:a16="http://schemas.microsoft.com/office/drawing/2014/main" id="{7FFEE60F-7FFE-F606-24C3-B14A0F0D63DB}"/>
               </a:ext>
             </a:extLst>
           </p:cNvPr>
@@ -2286,7 +2286,7 @@
           <p:cNvPr id="4" name="文本占位符 3">
             <a:extLst>
               <a:ext uri="{FF2B5EF4-FFF2-40B4-BE49-F238E27FC236}">
-                <a16:creationId xmlns:a16="http://schemas.microsoft.com/office/drawing/2014/main" id="{032CA3CA-367A-BADC-A92B-CBCE39DA0914}"/>
+                <a16:creationId xmlns:a16="http://schemas.microsoft.com/office/drawing/2014/main" id="{7BEFD91A-8530-A804-BBF0-6316BC01E0ED}"/>
               </a:ext>
             </a:extLst>
           </p:cNvPr>
@@ -2357,7 +2357,7 @@
           <p:cNvPr id="5" name="日期占位符 4">
             <a:extLst>
               <a:ext uri="{FF2B5EF4-FFF2-40B4-BE49-F238E27FC236}">
-                <a16:creationId xmlns:a16="http://schemas.microsoft.com/office/drawing/2014/main" id="{DC18A574-9432-2458-2D40-0716ED4017F6}"/>
+                <a16:creationId xmlns:a16="http://schemas.microsoft.com/office/drawing/2014/main" id="{5D13D5D8-3129-A34D-3677-10C453EF056E}"/>
               </a:ext>
             </a:extLst>
           </p:cNvPr>
@@ -2373,7 +2373,7 @@
           <a:bodyPr/>
           <a:lstStyle/>
           <a:p>
-            <a:fld id="{A6180810-5565-41E5-9567-7062FF4A533D}" type="datetimeFigureOut">
+            <a:fld id="{D30FB933-3CFF-4E95-9F1B-1F5AED9C8258}" type="datetimeFigureOut">
               <a:rPr lang="zh-CN" altLang="en-US" smtClean="0"/>
               <a:t>2024/3/10</a:t>
             </a:fld>
@@ -2386,7 +2386,7 @@
           <p:cNvPr id="6" name="页脚占位符 5">
             <a:extLst>
               <a:ext uri="{FF2B5EF4-FFF2-40B4-BE49-F238E27FC236}">
-                <a16:creationId xmlns:a16="http://schemas.microsoft.com/office/drawing/2014/main" id="{F188D328-A61B-6E4E-31B1-42E5D4C2F66F}"/>
+                <a16:creationId xmlns:a16="http://schemas.microsoft.com/office/drawing/2014/main" id="{C4127BFE-9B16-409B-BDAF-BE4E0EA0F7B5}"/>
               </a:ext>
             </a:extLst>
           </p:cNvPr>
@@ -2411,7 +2411,7 @@
           <p:cNvPr id="7" name="灯片编号占位符 6">
             <a:extLst>
               <a:ext uri="{FF2B5EF4-FFF2-40B4-BE49-F238E27FC236}">
-                <a16:creationId xmlns:a16="http://schemas.microsoft.com/office/drawing/2014/main" id="{B7BA625A-6F6C-8D8A-B234-86183B67EBB1}"/>
+                <a16:creationId xmlns:a16="http://schemas.microsoft.com/office/drawing/2014/main" id="{7BB4DE48-E663-2CED-C650-3FD8FC65B184}"/>
               </a:ext>
             </a:extLst>
           </p:cNvPr>
@@ -2427,7 +2427,7 @@
           <a:bodyPr/>
           <a:lstStyle/>
           <a:p>
-            <a:fld id="{B5134405-1BAD-4D83-9CFC-2C97EE2FE515}" type="slidenum">
+            <a:fld id="{4F687FF8-C226-4FB7-B95F-4ED86E9D85C5}" type="slidenum">
               <a:rPr lang="zh-CN" altLang="en-US" smtClean="0"/>
               <a:t>‹#›</a:t>
             </a:fld>
@@ -2438,7 +2438,7 @@
     </p:spTree>
     <p:extLst>
       <p:ext uri="{BB962C8B-B14F-4D97-AF65-F5344CB8AC3E}">
-        <p14:creationId xmlns:p14="http://schemas.microsoft.com/office/powerpoint/2010/main" val="1412570025"/>
+        <p14:creationId xmlns:p14="http://schemas.microsoft.com/office/powerpoint/2010/main" val="4068378284"/>
       </p:ext>
     </p:extLst>
   </p:cSld>
@@ -2470,7 +2470,7 @@
           <p:cNvPr id="2" name="标题 1">
             <a:extLst>
               <a:ext uri="{FF2B5EF4-FFF2-40B4-BE49-F238E27FC236}">
-                <a16:creationId xmlns:a16="http://schemas.microsoft.com/office/drawing/2014/main" id="{190C038E-58B3-DA1D-DFAF-9FD588A40E15}"/>
+                <a16:creationId xmlns:a16="http://schemas.microsoft.com/office/drawing/2014/main" id="{AEBECE5B-2D1A-5DF3-B5D3-F452888695B0}"/>
               </a:ext>
             </a:extLst>
           </p:cNvPr>
@@ -2507,7 +2507,7 @@
           <p:cNvPr id="3" name="图片占位符 2">
             <a:extLst>
               <a:ext uri="{FF2B5EF4-FFF2-40B4-BE49-F238E27FC236}">
-                <a16:creationId xmlns:a16="http://schemas.microsoft.com/office/drawing/2014/main" id="{A7BF1C6E-04F2-53AD-6F8E-346B10CD4E2C}"/>
+                <a16:creationId xmlns:a16="http://schemas.microsoft.com/office/drawing/2014/main" id="{85AADCCE-7153-1CA9-9E22-869A9FB78F73}"/>
               </a:ext>
             </a:extLst>
           </p:cNvPr>
@@ -2574,7 +2574,7 @@
           <p:cNvPr id="4" name="文本占位符 3">
             <a:extLst>
               <a:ext uri="{FF2B5EF4-FFF2-40B4-BE49-F238E27FC236}">
-                <a16:creationId xmlns:a16="http://schemas.microsoft.com/office/drawing/2014/main" id="{563C531A-821E-B9FD-FDFB-455D47200DD6}"/>
+                <a16:creationId xmlns:a16="http://schemas.microsoft.com/office/drawing/2014/main" id="{EA8A2BBF-1D36-5933-7F40-680220AFBA30}"/>
               </a:ext>
             </a:extLst>
           </p:cNvPr>
@@ -2645,7 +2645,7 @@
           <p:cNvPr id="5" name="日期占位符 4">
             <a:extLst>
               <a:ext uri="{FF2B5EF4-FFF2-40B4-BE49-F238E27FC236}">
-                <a16:creationId xmlns:a16="http://schemas.microsoft.com/office/drawing/2014/main" id="{FFA10773-3435-13F2-1018-C3B77FC08B35}"/>
+                <a16:creationId xmlns:a16="http://schemas.microsoft.com/office/drawing/2014/main" id="{105D8BD0-DBB5-387C-99C3-5CD850FEE180}"/>
               </a:ext>
             </a:extLst>
           </p:cNvPr>
@@ -2661,7 +2661,7 @@
           <a:bodyPr/>
           <a:lstStyle/>
           <a:p>
-            <a:fld id="{A6180810-5565-41E5-9567-7062FF4A533D}" type="datetimeFigureOut">
+            <a:fld id="{D30FB933-3CFF-4E95-9F1B-1F5AED9C8258}" type="datetimeFigureOut">
               <a:rPr lang="zh-CN" altLang="en-US" smtClean="0"/>
               <a:t>2024/3/10</a:t>
             </a:fld>
@@ -2674,7 +2674,7 @@
           <p:cNvPr id="6" name="页脚占位符 5">
             <a:extLst>
               <a:ext uri="{FF2B5EF4-FFF2-40B4-BE49-F238E27FC236}">
-                <a16:creationId xmlns:a16="http://schemas.microsoft.com/office/drawing/2014/main" id="{11717DE2-B12D-BF04-89ED-D848C0986AB9}"/>
+                <a16:creationId xmlns:a16="http://schemas.microsoft.com/office/drawing/2014/main" id="{3EC62FBF-7D9D-7F2F-1827-748613A2F2FD}"/>
               </a:ext>
             </a:extLst>
           </p:cNvPr>
@@ -2699,7 +2699,7 @@
           <p:cNvPr id="7" name="灯片编号占位符 6">
             <a:extLst>
               <a:ext uri="{FF2B5EF4-FFF2-40B4-BE49-F238E27FC236}">
-                <a16:creationId xmlns:a16="http://schemas.microsoft.com/office/drawing/2014/main" id="{6C64B267-710F-F34A-5137-E6D77A68A24F}"/>
+                <a16:creationId xmlns:a16="http://schemas.microsoft.com/office/drawing/2014/main" id="{C181B45D-A86A-096C-B8EF-0F2B487C24D8}"/>
               </a:ext>
             </a:extLst>
           </p:cNvPr>
@@ -2715,7 +2715,7 @@
           <a:bodyPr/>
           <a:lstStyle/>
           <a:p>
-            <a:fld id="{B5134405-1BAD-4D83-9CFC-2C97EE2FE515}" type="slidenum">
+            <a:fld id="{4F687FF8-C226-4FB7-B95F-4ED86E9D85C5}" type="slidenum">
               <a:rPr lang="zh-CN" altLang="en-US" smtClean="0"/>
               <a:t>‹#›</a:t>
             </a:fld>
@@ -2726,7 +2726,7 @@
     </p:spTree>
     <p:extLst>
       <p:ext uri="{BB962C8B-B14F-4D97-AF65-F5344CB8AC3E}">
-        <p14:creationId xmlns:p14="http://schemas.microsoft.com/office/powerpoint/2010/main" val="2941714550"/>
+        <p14:creationId xmlns:p14="http://schemas.microsoft.com/office/powerpoint/2010/main" val="1432393525"/>
       </p:ext>
     </p:extLst>
   </p:cSld>
@@ -2763,7 +2763,7 @@
           <p:cNvPr id="2" name="标题占位符 1">
             <a:extLst>
               <a:ext uri="{FF2B5EF4-FFF2-40B4-BE49-F238E27FC236}">
-                <a16:creationId xmlns:a16="http://schemas.microsoft.com/office/drawing/2014/main" id="{40E42E16-A1A8-7AD5-D7A9-3CEF47AEDEE2}"/>
+                <a16:creationId xmlns:a16="http://schemas.microsoft.com/office/drawing/2014/main" id="{D59F94FA-AD7B-EB78-DADC-8FAD6D1F80A3}"/>
               </a:ext>
             </a:extLst>
           </p:cNvPr>
@@ -2801,7 +2801,7 @@
           <p:cNvPr id="3" name="文本占位符 2">
             <a:extLst>
               <a:ext uri="{FF2B5EF4-FFF2-40B4-BE49-F238E27FC236}">
-                <a16:creationId xmlns:a16="http://schemas.microsoft.com/office/drawing/2014/main" id="{89196990-E10B-BB5B-29DE-58FE5734B34F}"/>
+                <a16:creationId xmlns:a16="http://schemas.microsoft.com/office/drawing/2014/main" id="{8A252001-2EC6-8304-12D4-E1AF07A0E134}"/>
               </a:ext>
             </a:extLst>
           </p:cNvPr>
@@ -2868,7 +2868,7 @@
           <p:cNvPr id="4" name="日期占位符 3">
             <a:extLst>
               <a:ext uri="{FF2B5EF4-FFF2-40B4-BE49-F238E27FC236}">
-                <a16:creationId xmlns:a16="http://schemas.microsoft.com/office/drawing/2014/main" id="{30E35159-2A7E-8DA4-E298-DDC84670ED5C}"/>
+                <a16:creationId xmlns:a16="http://schemas.microsoft.com/office/drawing/2014/main" id="{FDD5AF48-4B9A-87B4-BBF6-5A9686090F19}"/>
               </a:ext>
             </a:extLst>
           </p:cNvPr>
@@ -2902,7 +2902,7 @@
             </a:lvl1pPr>
           </a:lstStyle>
           <a:p>
-            <a:fld id="{A6180810-5565-41E5-9567-7062FF4A533D}" type="datetimeFigureOut">
+            <a:fld id="{D30FB933-3CFF-4E95-9F1B-1F5AED9C8258}" type="datetimeFigureOut">
               <a:rPr lang="zh-CN" altLang="en-US" smtClean="0"/>
               <a:t>2024/3/10</a:t>
             </a:fld>
@@ -2915,7 +2915,7 @@
           <p:cNvPr id="5" name="页脚占位符 4">
             <a:extLst>
               <a:ext uri="{FF2B5EF4-FFF2-40B4-BE49-F238E27FC236}">
-                <a16:creationId xmlns:a16="http://schemas.microsoft.com/office/drawing/2014/main" id="{7717A0BA-8FB7-3F04-17C4-C5D7007E19EA}"/>
+                <a16:creationId xmlns:a16="http://schemas.microsoft.com/office/drawing/2014/main" id="{B2C37133-88C7-FCB9-CA09-2EBD7CDD2488}"/>
               </a:ext>
             </a:extLst>
           </p:cNvPr>
@@ -2958,7 +2958,7 @@
           <p:cNvPr id="6" name="灯片编号占位符 5">
             <a:extLst>
               <a:ext uri="{FF2B5EF4-FFF2-40B4-BE49-F238E27FC236}">
-                <a16:creationId xmlns:a16="http://schemas.microsoft.com/office/drawing/2014/main" id="{B4EEBA31-C47D-233E-3DDC-E73B1D23FD61}"/>
+                <a16:creationId xmlns:a16="http://schemas.microsoft.com/office/drawing/2014/main" id="{D0389D99-C255-2EDA-FAB6-B5FBD7175258}"/>
               </a:ext>
             </a:extLst>
           </p:cNvPr>
@@ -2992,7 +2992,7 @@
             </a:lvl1pPr>
           </a:lstStyle>
           <a:p>
-            <a:fld id="{B5134405-1BAD-4D83-9CFC-2C97EE2FE515}" type="slidenum">
+            <a:fld id="{4F687FF8-C226-4FB7-B95F-4ED86E9D85C5}" type="slidenum">
               <a:rPr lang="zh-CN" altLang="en-US" smtClean="0"/>
               <a:t>‹#›</a:t>
             </a:fld>
@@ -3003,7 +3003,7 @@
     </p:spTree>
     <p:extLst>
       <p:ext uri="{BB962C8B-B14F-4D97-AF65-F5344CB8AC3E}">
-        <p14:creationId xmlns:p14="http://schemas.microsoft.com/office/powerpoint/2010/main" val="3127753426"/>
+        <p14:creationId xmlns:p14="http://schemas.microsoft.com/office/powerpoint/2010/main" val="1583002234"/>
       </p:ext>
     </p:extLst>
   </p:cSld>
